--- a/files/pygame.pptx
+++ b/files/pygame.pptx
@@ -259,7 +259,7 @@
           <a:p>
             <a:fld id="{0F5B2348-7598-4ECE-94C5-725A9E11AB66}" type="datetimeFigureOut">
               <a:rPr lang="ru-RU" smtClean="0"/>
-              <a:t>31.01.2022</a:t>
+              <a:t>01.02.2022</a:t>
             </a:fld>
             <a:endParaRPr lang="ru-RU"/>
           </a:p>
@@ -429,7 +429,7 @@
           <a:p>
             <a:fld id="{0F5B2348-7598-4ECE-94C5-725A9E11AB66}" type="datetimeFigureOut">
               <a:rPr lang="ru-RU" smtClean="0"/>
-              <a:t>31.01.2022</a:t>
+              <a:t>01.02.2022</a:t>
             </a:fld>
             <a:endParaRPr lang="ru-RU"/>
           </a:p>
@@ -609,7 +609,7 @@
           <a:p>
             <a:fld id="{0F5B2348-7598-4ECE-94C5-725A9E11AB66}" type="datetimeFigureOut">
               <a:rPr lang="ru-RU" smtClean="0"/>
-              <a:t>31.01.2022</a:t>
+              <a:t>01.02.2022</a:t>
             </a:fld>
             <a:endParaRPr lang="ru-RU"/>
           </a:p>
@@ -779,7 +779,7 @@
           <a:p>
             <a:fld id="{0F5B2348-7598-4ECE-94C5-725A9E11AB66}" type="datetimeFigureOut">
               <a:rPr lang="ru-RU" smtClean="0"/>
-              <a:t>31.01.2022</a:t>
+              <a:t>01.02.2022</a:t>
             </a:fld>
             <a:endParaRPr lang="ru-RU"/>
           </a:p>
@@ -1025,7 +1025,7 @@
           <a:p>
             <a:fld id="{0F5B2348-7598-4ECE-94C5-725A9E11AB66}" type="datetimeFigureOut">
               <a:rPr lang="ru-RU" smtClean="0"/>
-              <a:t>31.01.2022</a:t>
+              <a:t>01.02.2022</a:t>
             </a:fld>
             <a:endParaRPr lang="ru-RU"/>
           </a:p>
@@ -1257,7 +1257,7 @@
           <a:p>
             <a:fld id="{0F5B2348-7598-4ECE-94C5-725A9E11AB66}" type="datetimeFigureOut">
               <a:rPr lang="ru-RU" smtClean="0"/>
-              <a:t>31.01.2022</a:t>
+              <a:t>01.02.2022</a:t>
             </a:fld>
             <a:endParaRPr lang="ru-RU"/>
           </a:p>
@@ -1624,7 +1624,7 @@
           <a:p>
             <a:fld id="{0F5B2348-7598-4ECE-94C5-725A9E11AB66}" type="datetimeFigureOut">
               <a:rPr lang="ru-RU" smtClean="0"/>
-              <a:t>31.01.2022</a:t>
+              <a:t>01.02.2022</a:t>
             </a:fld>
             <a:endParaRPr lang="ru-RU"/>
           </a:p>
@@ -1742,7 +1742,7 @@
           <a:p>
             <a:fld id="{0F5B2348-7598-4ECE-94C5-725A9E11AB66}" type="datetimeFigureOut">
               <a:rPr lang="ru-RU" smtClean="0"/>
-              <a:t>31.01.2022</a:t>
+              <a:t>01.02.2022</a:t>
             </a:fld>
             <a:endParaRPr lang="ru-RU"/>
           </a:p>
@@ -1837,7 +1837,7 @@
           <a:p>
             <a:fld id="{0F5B2348-7598-4ECE-94C5-725A9E11AB66}" type="datetimeFigureOut">
               <a:rPr lang="ru-RU" smtClean="0"/>
-              <a:t>31.01.2022</a:t>
+              <a:t>01.02.2022</a:t>
             </a:fld>
             <a:endParaRPr lang="ru-RU"/>
           </a:p>
@@ -2114,7 +2114,7 @@
           <a:p>
             <a:fld id="{0F5B2348-7598-4ECE-94C5-725A9E11AB66}" type="datetimeFigureOut">
               <a:rPr lang="ru-RU" smtClean="0"/>
-              <a:t>31.01.2022</a:t>
+              <a:t>01.02.2022</a:t>
             </a:fld>
             <a:endParaRPr lang="ru-RU"/>
           </a:p>
@@ -2367,7 +2367,7 @@
           <a:p>
             <a:fld id="{0F5B2348-7598-4ECE-94C5-725A9E11AB66}" type="datetimeFigureOut">
               <a:rPr lang="ru-RU" smtClean="0"/>
-              <a:t>31.01.2022</a:t>
+              <a:t>01.02.2022</a:t>
             </a:fld>
             <a:endParaRPr lang="ru-RU"/>
           </a:p>
@@ -2432,9 +2432,21 @@
 <p:sldMaster xmlns:a="http://schemas.openxmlformats.org/drawingml/2006/main" xmlns:r="http://schemas.openxmlformats.org/officeDocument/2006/relationships" xmlns:p="http://schemas.openxmlformats.org/presentationml/2006/main">
   <p:cSld>
     <p:bg>
-      <p:bgRef idx="1001">
-        <a:schemeClr val="bg1"/>
-      </p:bgRef>
+      <p:bgPr>
+        <a:pattFill prst="horzBrick">
+          <a:fgClr>
+            <a:schemeClr val="accent1">
+              <a:lumMod val="75000"/>
+            </a:schemeClr>
+          </a:fgClr>
+          <a:bgClr>
+            <a:schemeClr val="tx2">
+              <a:lumMod val="50000"/>
+            </a:schemeClr>
+          </a:bgClr>
+        </a:pattFill>
+        <a:effectLst/>
+      </p:bgPr>
     </p:bg>
     <p:spTree>
       <p:nvGrpSpPr>
@@ -2580,7 +2592,7 @@
           <a:p>
             <a:fld id="{0F5B2348-7598-4ECE-94C5-725A9E11AB66}" type="datetimeFigureOut">
               <a:rPr lang="ru-RU" smtClean="0"/>
-              <a:t>31.01.2022</a:t>
+              <a:t>01.02.2022</a:t>
             </a:fld>
             <a:endParaRPr lang="ru-RU"/>
           </a:p>
@@ -3001,10 +3013,18 @@
           <a:lstStyle/>
           <a:p>
             <a:r>
-              <a:rPr lang="ru-RU" dirty="0" smtClean="0"/>
+              <a:rPr lang="ru-RU" dirty="0" smtClean="0">
+                <a:solidFill>
+                  <a:schemeClr val="bg1"/>
+                </a:solidFill>
+              </a:rPr>
               <a:t>Игра «Лабиринт минотавра»</a:t>
             </a:r>
-            <a:endParaRPr lang="ru-RU" dirty="0"/>
+            <a:endParaRPr lang="ru-RU" dirty="0">
+              <a:solidFill>
+                <a:schemeClr val="bg1"/>
+              </a:solidFill>
+            </a:endParaRPr>
           </a:p>
         </p:txBody>
       </p:sp>
@@ -3024,10 +3044,18 @@
           <a:lstStyle/>
           <a:p>
             <a:r>
-              <a:rPr lang="ru-RU" dirty="0" smtClean="0"/>
+              <a:rPr lang="ru-RU" dirty="0" smtClean="0">
+                <a:solidFill>
+                  <a:schemeClr val="bg1"/>
+                </a:solidFill>
+              </a:rPr>
               <a:t>Авторы: Горохов Илья, Талебин Георгий</a:t>
             </a:r>
-            <a:endParaRPr lang="ru-RU" dirty="0"/>
+            <a:endParaRPr lang="ru-RU" dirty="0">
+              <a:solidFill>
+                <a:schemeClr val="bg1"/>
+              </a:solidFill>
+            </a:endParaRPr>
           </a:p>
         </p:txBody>
       </p:sp>
@@ -3153,20 +3181,37 @@
             <p:ph type="title"/>
           </p:nvPr>
         </p:nvSpPr>
-        <p:spPr/>
-        <p:txBody>
-          <a:bodyPr/>
-          <a:lstStyle/>
-          <a:p>
-            <a:r>
-              <a:rPr lang="ru-RU" dirty="0"/>
+        <p:spPr>
+          <a:xfrm>
+            <a:off x="839788" y="-670560"/>
+            <a:ext cx="3932237" cy="1600200"/>
+          </a:xfrm>
+        </p:spPr>
+        <p:txBody>
+          <a:bodyPr/>
+          <a:lstStyle/>
+          <a:p>
+            <a:r>
+              <a:rPr lang="ru-RU" dirty="0">
+                <a:solidFill>
+                  <a:schemeClr val="bg1"/>
+                </a:solidFill>
+              </a:rPr>
               <a:t>О</a:t>
             </a:r>
             <a:r>
-              <a:rPr lang="ru-RU" dirty="0" smtClean="0"/>
+              <a:rPr lang="ru-RU" dirty="0" smtClean="0">
+                <a:solidFill>
+                  <a:schemeClr val="bg1"/>
+                </a:solidFill>
+              </a:rPr>
               <a:t>писание</a:t>
             </a:r>
-            <a:endParaRPr lang="ru-RU" dirty="0"/>
+            <a:endParaRPr lang="ru-RU" dirty="0">
+              <a:solidFill>
+                <a:schemeClr val="bg1"/>
+              </a:solidFill>
+            </a:endParaRPr>
           </a:p>
         </p:txBody>
       </p:sp>
@@ -3209,7 +3254,12 @@
             <p:ph type="body" sz="half" idx="2"/>
           </p:nvPr>
         </p:nvSpPr>
-        <p:spPr/>
+        <p:spPr>
+          <a:xfrm>
+            <a:off x="392748" y="929640"/>
+            <a:ext cx="4790440" cy="5694680"/>
+          </a:xfrm>
+        </p:spPr>
         <p:txBody>
           <a:bodyPr>
             <a:normAutofit/>
@@ -3217,34 +3267,66 @@
           <a:lstStyle/>
           <a:p>
             <a:r>
-              <a:rPr lang="ru-RU" dirty="0" smtClean="0"/>
+              <a:rPr lang="ru-RU" sz="2400" dirty="0" smtClean="0">
+                <a:solidFill>
+                  <a:schemeClr val="bg1"/>
+                </a:solidFill>
+              </a:rPr>
               <a:t>Сюжет игры по идеи</a:t>
             </a:r>
             <a:r>
-              <a:rPr lang="en-US" dirty="0" smtClean="0"/>
+              <a:rPr lang="en-US" sz="2400" dirty="0" smtClean="0">
+                <a:solidFill>
+                  <a:schemeClr val="bg1"/>
+                </a:solidFill>
+              </a:rPr>
               <a:t> </a:t>
             </a:r>
             <a:r>
-              <a:rPr lang="ru-RU" dirty="0" smtClean="0"/>
+              <a:rPr lang="ru-RU" sz="2400" dirty="0" smtClean="0">
+                <a:solidFill>
+                  <a:schemeClr val="bg1"/>
+                </a:solidFill>
+              </a:rPr>
               <a:t>разворачивается в одном из мифов древней Греции - «Лабиринт Минотавра». Героя зовут </a:t>
             </a:r>
             <a:r>
-              <a:rPr lang="en-US" dirty="0" smtClean="0"/>
+              <a:rPr lang="en-US" sz="2400" dirty="0" smtClean="0">
+                <a:solidFill>
+                  <a:schemeClr val="bg1"/>
+                </a:solidFill>
+              </a:rPr>
               <a:t> </a:t>
             </a:r>
             <a:r>
-              <a:rPr lang="ru-RU" dirty="0" smtClean="0"/>
+              <a:rPr lang="ru-RU" sz="2400" dirty="0" smtClean="0">
+                <a:solidFill>
+                  <a:schemeClr val="bg1"/>
+                </a:solidFill>
+              </a:rPr>
               <a:t>Тесей он, как и другие прибывшие из Афин был послан на верную смерть</a:t>
             </a:r>
             <a:r>
-              <a:rPr lang="en-US" dirty="0" smtClean="0"/>
+              <a:rPr lang="en-US" sz="2400" dirty="0" smtClean="0">
+                <a:solidFill>
+                  <a:schemeClr val="bg1"/>
+                </a:solidFill>
+              </a:rPr>
               <a:t>. </a:t>
             </a:r>
             <a:r>
-              <a:rPr lang="ru-RU" dirty="0" smtClean="0"/>
+              <a:rPr lang="ru-RU" sz="2400" dirty="0" smtClean="0">
+                <a:solidFill>
+                  <a:schemeClr val="bg1"/>
+                </a:solidFill>
+              </a:rPr>
               <a:t>пока Тесей исследует лабиринт он будет встречать монстров и в финальной схватке сможет одолеть главного Босса – «Великого Минотавра: повелителя Лабиринта». После того как Минотавр повержен герою придётся выйти из лабиринта. На этом игра заканчивается</a:t>
             </a:r>
-            <a:endParaRPr lang="ru-RU" dirty="0"/>
+            <a:endParaRPr lang="ru-RU" sz="2400" dirty="0">
+              <a:solidFill>
+                <a:schemeClr val="bg1"/>
+              </a:solidFill>
+            </a:endParaRPr>
           </a:p>
         </p:txBody>
       </p:sp>
@@ -3295,14 +3377,26 @@
           <a:p>
             <a:pPr algn="ctr"/>
             <a:r>
-              <a:rPr lang="ru-RU" dirty="0"/>
+              <a:rPr lang="ru-RU" dirty="0">
+                <a:solidFill>
+                  <a:schemeClr val="bg1"/>
+                </a:solidFill>
+              </a:rPr>
               <a:t>Т</a:t>
             </a:r>
             <a:r>
-              <a:rPr lang="ru-RU" dirty="0" smtClean="0"/>
+              <a:rPr lang="ru-RU" dirty="0" smtClean="0">
+                <a:solidFill>
+                  <a:schemeClr val="bg1"/>
+                </a:solidFill>
+              </a:rPr>
               <a:t>ехнологии</a:t>
             </a:r>
-            <a:endParaRPr lang="ru-RU" dirty="0"/>
+            <a:endParaRPr lang="ru-RU" dirty="0">
+              <a:solidFill>
+                <a:schemeClr val="bg1"/>
+              </a:solidFill>
+            </a:endParaRPr>
           </a:p>
         </p:txBody>
       </p:sp>
@@ -3322,47 +3416,95 @@
           <a:lstStyle/>
           <a:p>
             <a:r>
-              <a:rPr lang="ru-RU" dirty="0" smtClean="0"/>
+              <a:rPr lang="ru-RU" dirty="0" smtClean="0">
+                <a:solidFill>
+                  <a:schemeClr val="bg1"/>
+                </a:solidFill>
+              </a:rPr>
               <a:t>Язык программирования </a:t>
             </a:r>
             <a:r>
-              <a:rPr lang="en-US" dirty="0" smtClean="0"/>
+              <a:rPr lang="en-US" dirty="0" smtClean="0">
+                <a:solidFill>
+                  <a:schemeClr val="bg1"/>
+                </a:solidFill>
+              </a:rPr>
               <a:t>Python</a:t>
             </a:r>
-            <a:endParaRPr lang="ru-RU" dirty="0" smtClean="0"/>
-          </a:p>
-          <a:p>
-            <a:r>
-              <a:rPr lang="ru-RU" dirty="0" smtClean="0"/>
+            <a:endParaRPr lang="ru-RU" dirty="0" smtClean="0">
+              <a:solidFill>
+                <a:schemeClr val="bg1"/>
+              </a:solidFill>
+            </a:endParaRPr>
+          </a:p>
+          <a:p>
+            <a:r>
+              <a:rPr lang="ru-RU" dirty="0" smtClean="0">
+                <a:solidFill>
+                  <a:schemeClr val="bg1"/>
+                </a:solidFill>
+              </a:rPr>
               <a:t>Библиотека </a:t>
             </a:r>
             <a:r>
-              <a:rPr lang="en-US" dirty="0" err="1" smtClean="0"/>
+              <a:rPr lang="en-US" dirty="0" err="1" smtClean="0">
+                <a:solidFill>
+                  <a:schemeClr val="bg1"/>
+                </a:solidFill>
+              </a:rPr>
               <a:t>pygame</a:t>
             </a:r>
-            <a:endParaRPr lang="ru-RU" dirty="0" smtClean="0"/>
-          </a:p>
-          <a:p>
-            <a:r>
-              <a:rPr lang="ru-RU" dirty="0" smtClean="0"/>
+            <a:endParaRPr lang="ru-RU" dirty="0" smtClean="0">
+              <a:solidFill>
+                <a:schemeClr val="bg1"/>
+              </a:solidFill>
+            </a:endParaRPr>
+          </a:p>
+          <a:p>
+            <a:r>
+              <a:rPr lang="ru-RU" dirty="0" smtClean="0">
+                <a:solidFill>
+                  <a:schemeClr val="bg1"/>
+                </a:solidFill>
+              </a:rPr>
               <a:t>Система контроля версии </a:t>
             </a:r>
             <a:r>
-              <a:rPr lang="en-US" dirty="0" err="1" smtClean="0"/>
+              <a:rPr lang="en-US" dirty="0" err="1" smtClean="0">
+                <a:solidFill>
+                  <a:schemeClr val="bg1"/>
+                </a:solidFill>
+              </a:rPr>
               <a:t>git</a:t>
             </a:r>
-            <a:endParaRPr lang="en-US" dirty="0" smtClean="0"/>
-          </a:p>
-          <a:p>
-            <a:r>
-              <a:rPr lang="ru-RU" dirty="0" smtClean="0"/>
+            <a:endParaRPr lang="en-US" dirty="0" smtClean="0">
+              <a:solidFill>
+                <a:schemeClr val="bg1"/>
+              </a:solidFill>
+            </a:endParaRPr>
+          </a:p>
+          <a:p>
+            <a:r>
+              <a:rPr lang="ru-RU" dirty="0" smtClean="0">
+                <a:solidFill>
+                  <a:schemeClr val="bg1"/>
+                </a:solidFill>
+              </a:rPr>
               <a:t>Модуль </a:t>
             </a:r>
             <a:r>
-              <a:rPr lang="en-US" dirty="0" err="1" smtClean="0"/>
+              <a:rPr lang="en-US" dirty="0" err="1" smtClean="0">
+                <a:solidFill>
+                  <a:schemeClr val="bg1"/>
+                </a:solidFill>
+              </a:rPr>
               <a:t>os</a:t>
             </a:r>
-            <a:endParaRPr lang="ru-RU" dirty="0"/>
+            <a:endParaRPr lang="ru-RU" dirty="0">
+              <a:solidFill>
+                <a:schemeClr val="bg1"/>
+              </a:solidFill>
+            </a:endParaRPr>
           </a:p>
         </p:txBody>
       </p:sp>
@@ -3418,10 +3560,18 @@
           <a:p>
             <a:pPr algn="ctr"/>
             <a:r>
-              <a:rPr lang="ru-RU" dirty="0" smtClean="0"/>
+              <a:rPr lang="ru-RU" dirty="0" smtClean="0">
+                <a:solidFill>
+                  <a:schemeClr val="bg1"/>
+                </a:solidFill>
+              </a:rPr>
               <a:t>Диаграмма классов</a:t>
             </a:r>
-            <a:endParaRPr lang="ru-RU" dirty="0"/>
+            <a:endParaRPr lang="ru-RU" dirty="0">
+              <a:solidFill>
+                <a:schemeClr val="bg1"/>
+              </a:solidFill>
+            </a:endParaRPr>
           </a:p>
         </p:txBody>
       </p:sp>
@@ -3536,10 +3686,18 @@
           <a:p>
             <a:pPr algn="ctr"/>
             <a:r>
-              <a:rPr lang="ru-RU" dirty="0" smtClean="0"/>
+              <a:rPr lang="ru-RU" dirty="0" smtClean="0">
+                <a:solidFill>
+                  <a:schemeClr val="bg1"/>
+                </a:solidFill>
+              </a:rPr>
               <a:t>Графический интерфейс</a:t>
             </a:r>
-            <a:endParaRPr lang="ru-RU" dirty="0"/>
+            <a:endParaRPr lang="ru-RU" dirty="0">
+              <a:solidFill>
+                <a:schemeClr val="bg1"/>
+              </a:solidFill>
+            </a:endParaRPr>
           </a:p>
         </p:txBody>
       </p:sp>
@@ -3559,14 +3717,26 @@
           <a:lstStyle/>
           <a:p>
             <a:r>
-              <a:rPr lang="ru-RU" dirty="0" smtClean="0"/>
+              <a:rPr lang="ru-RU" dirty="0" smtClean="0">
+                <a:solidFill>
+                  <a:schemeClr val="bg1"/>
+                </a:solidFill>
+              </a:rPr>
               <a:t>Паук</a:t>
             </a:r>
             <a:r>
-              <a:rPr lang="en-US" dirty="0" smtClean="0"/>
+              <a:rPr lang="en-US" dirty="0" smtClean="0">
+                <a:solidFill>
+                  <a:schemeClr val="bg1"/>
+                </a:solidFill>
+              </a:rPr>
               <a:t> </a:t>
             </a:r>
-            <a:endParaRPr lang="ru-RU" dirty="0"/>
+            <a:endParaRPr lang="ru-RU" dirty="0">
+              <a:solidFill>
+                <a:schemeClr val="bg1"/>
+              </a:solidFill>
+            </a:endParaRPr>
           </a:p>
         </p:txBody>
       </p:sp>
@@ -3639,7 +3809,7 @@
         <p:spPr>
           <a:xfrm>
             <a:off x="9772073" y="2627522"/>
-            <a:ext cx="1616981" cy="369332"/>
+            <a:ext cx="1763240" cy="369332"/>
           </a:xfrm>
           <a:prstGeom prst="rect">
             <a:avLst/>
@@ -3653,10 +3823,18 @@
           <a:lstStyle/>
           <a:p>
             <a:r>
-              <a:rPr lang="ru-RU" dirty="0" smtClean="0"/>
+              <a:rPr lang="ru-RU" dirty="0" smtClean="0">
+                <a:solidFill>
+                  <a:schemeClr val="bg1"/>
+                </a:solidFill>
+              </a:rPr>
               <a:t>Главный герой</a:t>
             </a:r>
-            <a:endParaRPr lang="ru-RU" dirty="0"/>
+            <a:endParaRPr lang="ru-RU" dirty="0">
+              <a:solidFill>
+                <a:schemeClr val="bg1"/>
+              </a:solidFill>
+            </a:endParaRPr>
           </a:p>
         </p:txBody>
       </p:sp>
@@ -3743,10 +3921,18 @@
           <a:lstStyle/>
           <a:p>
             <a:r>
-              <a:rPr lang="ru-RU" dirty="0" smtClean="0"/>
+              <a:rPr lang="ru-RU" dirty="0" smtClean="0">
+                <a:solidFill>
+                  <a:schemeClr val="bg1"/>
+                </a:solidFill>
+              </a:rPr>
               <a:t>Блоки</a:t>
             </a:r>
-            <a:endParaRPr lang="ru-RU" dirty="0"/>
+            <a:endParaRPr lang="ru-RU" dirty="0">
+              <a:solidFill>
+                <a:schemeClr val="bg1"/>
+              </a:solidFill>
+            </a:endParaRPr>
           </a:p>
         </p:txBody>
       </p:sp>
@@ -3804,10 +3990,18 @@
           <a:p>
             <a:pPr algn="ctr"/>
             <a:r>
-              <a:rPr lang="ru-RU" dirty="0" smtClean="0"/>
+              <a:rPr lang="ru-RU" dirty="0" smtClean="0">
+                <a:solidFill>
+                  <a:schemeClr val="bg1"/>
+                </a:solidFill>
+              </a:rPr>
               <a:t>Итоги работы</a:t>
             </a:r>
-            <a:endParaRPr lang="ru-RU" dirty="0"/>
+            <a:endParaRPr lang="ru-RU" dirty="0">
+              <a:solidFill>
+                <a:schemeClr val="bg1"/>
+              </a:solidFill>
+            </a:endParaRPr>
           </a:p>
         </p:txBody>
       </p:sp>
@@ -3827,34 +4021,66 @@
           <a:lstStyle/>
           <a:p>
             <a:r>
-              <a:rPr lang="en-US" dirty="0" smtClean="0"/>
+              <a:rPr lang="en-US" dirty="0" smtClean="0">
+                <a:solidFill>
+                  <a:schemeClr val="bg1"/>
+                </a:solidFill>
+              </a:rPr>
               <a:t>1. </a:t>
             </a:r>
             <a:r>
-              <a:rPr lang="ru-RU" dirty="0" smtClean="0"/>
+              <a:rPr lang="ru-RU" dirty="0" smtClean="0">
+                <a:solidFill>
+                  <a:schemeClr val="bg1"/>
+                </a:solidFill>
+              </a:rPr>
               <a:t>Создали простую игру без сюжета на </a:t>
             </a:r>
             <a:r>
-              <a:rPr lang="en-US" dirty="0" smtClean="0"/>
+              <a:rPr lang="en-US" dirty="0" smtClean="0">
+                <a:solidFill>
+                  <a:schemeClr val="bg1"/>
+                </a:solidFill>
+              </a:rPr>
               <a:t>Python </a:t>
             </a:r>
             <a:r>
-              <a:rPr lang="ru-RU" dirty="0" smtClean="0"/>
+              <a:rPr lang="ru-RU" dirty="0" smtClean="0">
+                <a:solidFill>
+                  <a:schemeClr val="bg1"/>
+                </a:solidFill>
+              </a:rPr>
               <a:t>с помощью библиотеки </a:t>
             </a:r>
             <a:r>
-              <a:rPr lang="en-US" dirty="0" err="1" smtClean="0"/>
+              <a:rPr lang="en-US" dirty="0" err="1" smtClean="0">
+                <a:solidFill>
+                  <a:schemeClr val="bg1"/>
+                </a:solidFill>
+              </a:rPr>
               <a:t>Pygame</a:t>
             </a:r>
-            <a:endParaRPr lang="en-US" dirty="0" smtClean="0"/>
-          </a:p>
-          <a:p>
-            <a:r>
-              <a:rPr lang="en-US" dirty="0" smtClean="0"/>
+            <a:endParaRPr lang="en-US" dirty="0" smtClean="0">
+              <a:solidFill>
+                <a:schemeClr val="bg1"/>
+              </a:solidFill>
+            </a:endParaRPr>
+          </a:p>
+          <a:p>
+            <a:r>
+              <a:rPr lang="en-US" dirty="0" smtClean="0">
+                <a:solidFill>
+                  <a:schemeClr val="bg1"/>
+                </a:solidFill>
+              </a:rPr>
               <a:t>2. </a:t>
             </a:r>
             <a:r>
-              <a:rPr lang="ru-RU" dirty="0" smtClean="0"/>
+              <a:rPr lang="ru-RU" dirty="0" smtClean="0">
+                <a:solidFill>
+                  <a:schemeClr val="bg1"/>
+                </a:solidFill>
+              </a:rPr>
               <a:t>Получили новые знания и умения, а также закрепили уже полученные</a:t>
             </a:r>
           </a:p>
@@ -3927,13 +4153,13 @@
         <a:srgbClr val="954F72"/>
       </a:folHlink>
     </a:clrScheme>
-    <a:fontScheme name="Стандартная">
+    <a:fontScheme name="Times New Roman/Arial">
       <a:majorFont>
-        <a:latin typeface="Calibri Light" panose="020F0302020204030204"/>
+        <a:latin typeface="Times New Roman" panose="02020603050405020304"/>
         <a:ea typeface=""/>
         <a:cs typeface=""/>
-        <a:font script="Jpan" typeface="ＭＳ Ｐゴシック"/>
-        <a:font script="Hang" typeface="맑은 고딕"/>
+        <a:font script="Jpan" typeface="ＭＳ Ｐ明朝"/>
+        <a:font script="Hang" typeface="바탕"/>
         <a:font script="Hans" typeface="宋体"/>
         <a:font script="Hant" typeface="新細明體"/>
         <a:font script="Arab" typeface="Times New Roman"/>
@@ -3964,13 +4190,13 @@
         <a:font script="Geor" typeface="Sylfaen"/>
       </a:majorFont>
       <a:minorFont>
-        <a:latin typeface="Calibri" panose="020F0502020204030204"/>
+        <a:latin typeface="Arial" panose="020B0604020202020204"/>
         <a:ea typeface=""/>
         <a:cs typeface=""/>
         <a:font script="Jpan" typeface="ＭＳ Ｐゴシック"/>
-        <a:font script="Hang" typeface="맑은 고딕"/>
-        <a:font script="Hans" typeface="宋体"/>
-        <a:font script="Hant" typeface="新細明體"/>
+        <a:font script="Hang" typeface="돋움"/>
+        <a:font script="Hans" typeface="黑体"/>
+        <a:font script="Hant" typeface="微軟正黑體"/>
         <a:font script="Arab" typeface="Arial"/>
         <a:font script="Hebr" typeface="Arial"/>
         <a:font script="Thai" typeface="Cordia New"/>
